--- a/595HW1/Project1.pptx
+++ b/595HW1/Project1.pptx
@@ -6,12 +6,15 @@
   </p:sldMasterIdLst>
   <p:sldIdLst>
     <p:sldId id="256" r:id="rId2"/>
-    <p:sldId id="257" r:id="rId3"/>
-    <p:sldId id="260" r:id="rId4"/>
-    <p:sldId id="261" r:id="rId5"/>
-    <p:sldId id="258" r:id="rId6"/>
-    <p:sldId id="259" r:id="rId7"/>
-    <p:sldId id="262" r:id="rId8"/>
+    <p:sldId id="262" r:id="rId3"/>
+    <p:sldId id="257" r:id="rId4"/>
+    <p:sldId id="260" r:id="rId5"/>
+    <p:sldId id="261" r:id="rId6"/>
+    <p:sldId id="263" r:id="rId7"/>
+    <p:sldId id="258" r:id="rId8"/>
+    <p:sldId id="264" r:id="rId9"/>
+    <p:sldId id="259" r:id="rId10"/>
+    <p:sldId id="265" r:id="rId11"/>
   </p:sldIdLst>
   <p:sldSz cx="12192000" cy="6858000"/>
   <p:notesSz cx="6858000" cy="9144000"/>
@@ -110,6 +113,11 @@
       </a:defRPr>
     </a:lvl9pPr>
   </p:defaultTextStyle>
+  <p:extLst>
+    <p:ext uri="{EFAFB233-063F-42B5-8137-9DF3F51BA10A}">
+      <p15:sldGuideLst xmlns:p15="http://schemas.microsoft.com/office/powerpoint/2012/main"/>
+    </p:ext>
+  </p:extLst>
 </p:presentation>
 </file>
 
@@ -260,7 +268,7 @@
           <a:p>
             <a:fld id="{029DAABB-CF69-D646-A709-E8EEF504D901}" type="datetimeFigureOut">
               <a:rPr lang="en-US" smtClean="0"/>
-              <a:t>9/13/25</a:t>
+              <a:t>9/14/25</a:t>
             </a:fld>
             <a:endParaRPr lang="en-US"/>
           </a:p>
@@ -458,7 +466,7 @@
           <a:p>
             <a:fld id="{029DAABB-CF69-D646-A709-E8EEF504D901}" type="datetimeFigureOut">
               <a:rPr lang="en-US" smtClean="0"/>
-              <a:t>9/13/25</a:t>
+              <a:t>9/14/25</a:t>
             </a:fld>
             <a:endParaRPr lang="en-US"/>
           </a:p>
@@ -666,7 +674,7 @@
           <a:p>
             <a:fld id="{029DAABB-CF69-D646-A709-E8EEF504D901}" type="datetimeFigureOut">
               <a:rPr lang="en-US" smtClean="0"/>
-              <a:t>9/13/25</a:t>
+              <a:t>9/14/25</a:t>
             </a:fld>
             <a:endParaRPr lang="en-US"/>
           </a:p>
@@ -864,7 +872,7 @@
           <a:p>
             <a:fld id="{029DAABB-CF69-D646-A709-E8EEF504D901}" type="datetimeFigureOut">
               <a:rPr lang="en-US" smtClean="0"/>
-              <a:t>9/13/25</a:t>
+              <a:t>9/14/25</a:t>
             </a:fld>
             <a:endParaRPr lang="en-US"/>
           </a:p>
@@ -1139,7 +1147,7 @@
           <a:p>
             <a:fld id="{029DAABB-CF69-D646-A709-E8EEF504D901}" type="datetimeFigureOut">
               <a:rPr lang="en-US" smtClean="0"/>
-              <a:t>9/13/25</a:t>
+              <a:t>9/14/25</a:t>
             </a:fld>
             <a:endParaRPr lang="en-US"/>
           </a:p>
@@ -1404,7 +1412,7 @@
           <a:p>
             <a:fld id="{029DAABB-CF69-D646-A709-E8EEF504D901}" type="datetimeFigureOut">
               <a:rPr lang="en-US" smtClean="0"/>
-              <a:t>9/13/25</a:t>
+              <a:t>9/14/25</a:t>
             </a:fld>
             <a:endParaRPr lang="en-US"/>
           </a:p>
@@ -1816,7 +1824,7 @@
           <a:p>
             <a:fld id="{029DAABB-CF69-D646-A709-E8EEF504D901}" type="datetimeFigureOut">
               <a:rPr lang="en-US" smtClean="0"/>
-              <a:t>9/13/25</a:t>
+              <a:t>9/14/25</a:t>
             </a:fld>
             <a:endParaRPr lang="en-US"/>
           </a:p>
@@ -1957,7 +1965,7 @@
           <a:p>
             <a:fld id="{029DAABB-CF69-D646-A709-E8EEF504D901}" type="datetimeFigureOut">
               <a:rPr lang="en-US" smtClean="0"/>
-              <a:t>9/13/25</a:t>
+              <a:t>9/14/25</a:t>
             </a:fld>
             <a:endParaRPr lang="en-US"/>
           </a:p>
@@ -2070,7 +2078,7 @@
           <a:p>
             <a:fld id="{029DAABB-CF69-D646-A709-E8EEF504D901}" type="datetimeFigureOut">
               <a:rPr lang="en-US" smtClean="0"/>
-              <a:t>9/13/25</a:t>
+              <a:t>9/14/25</a:t>
             </a:fld>
             <a:endParaRPr lang="en-US"/>
           </a:p>
@@ -2381,7 +2389,7 @@
           <a:p>
             <a:fld id="{029DAABB-CF69-D646-A709-E8EEF504D901}" type="datetimeFigureOut">
               <a:rPr lang="en-US" smtClean="0"/>
-              <a:t>9/13/25</a:t>
+              <a:t>9/14/25</a:t>
             </a:fld>
             <a:endParaRPr lang="en-US"/>
           </a:p>
@@ -2669,7 +2677,7 @@
           <a:p>
             <a:fld id="{029DAABB-CF69-D646-A709-E8EEF504D901}" type="datetimeFigureOut">
               <a:rPr lang="en-US" smtClean="0"/>
-              <a:t>9/13/25</a:t>
+              <a:t>9/14/25</a:t>
             </a:fld>
             <a:endParaRPr lang="en-US"/>
           </a:p>
@@ -2910,7 +2918,7 @@
           <a:p>
             <a:fld id="{029DAABB-CF69-D646-A709-E8EEF504D901}" type="datetimeFigureOut">
               <a:rPr lang="en-US" smtClean="0"/>
-              <a:t>9/13/25</a:t>
+              <a:t>9/14/25</a:t>
             </a:fld>
             <a:endParaRPr lang="en-US"/>
           </a:p>
@@ -3350,7 +3358,7 @@
           <a:p>
             <a:r>
               <a:rPr lang="en-US" dirty="0"/>
-              <a:t>595 Project1</a:t>
+              <a:t>AMS595 Project1</a:t>
             </a:r>
           </a:p>
         </p:txBody>
@@ -3393,6 +3401,157 @@
     <p:extLst>
       <p:ext uri="{BB962C8B-B14F-4D97-AF65-F5344CB8AC3E}">
         <p14:creationId xmlns:p14="http://schemas.microsoft.com/office/powerpoint/2010/main" val="2075365295"/>
+      </p:ext>
+    </p:extLst>
+  </p:cSld>
+  <p:clrMapOvr>
+    <a:masterClrMapping/>
+  </p:clrMapOvr>
+</p:sld>
+</file>
+
+<file path=ppt/slides/slide10.xml><?xml version="1.0" encoding="utf-8"?>
+<p:sld xmlns:a="http://schemas.openxmlformats.org/drawingml/2006/main" xmlns:r="http://schemas.openxmlformats.org/officeDocument/2006/relationships" xmlns:p="http://schemas.openxmlformats.org/presentationml/2006/main">
+  <p:cSld>
+    <p:spTree>
+      <p:nvGrpSpPr>
+        <p:cNvPr id="1" name=""/>
+        <p:cNvGrpSpPr/>
+        <p:nvPr/>
+      </p:nvGrpSpPr>
+      <p:grpSpPr>
+        <a:xfrm>
+          <a:off x="0" y="0"/>
+          <a:ext cx="0" cy="0"/>
+          <a:chOff x="0" y="0"/>
+          <a:chExt cx="0" cy="0"/>
+        </a:xfrm>
+      </p:grpSpPr>
+      <p:sp>
+        <p:nvSpPr>
+          <p:cNvPr id="2" name="Title 1">
+            <a:extLst>
+              <a:ext uri="{FF2B5EF4-FFF2-40B4-BE49-F238E27FC236}">
+                <a16:creationId xmlns:a16="http://schemas.microsoft.com/office/drawing/2014/main" id="{55394EDC-D62C-D667-DB92-E7091E4FA187}"/>
+              </a:ext>
+            </a:extLst>
+          </p:cNvPr>
+          <p:cNvSpPr>
+            <a:spLocks noGrp="1"/>
+          </p:cNvSpPr>
+          <p:nvPr>
+            <p:ph type="title"/>
+          </p:nvPr>
+        </p:nvSpPr>
+        <p:spPr/>
+        <p:txBody>
+          <a:bodyPr/>
+          <a:lstStyle/>
+          <a:p>
+            <a:r>
+              <a:rPr lang="en-US" dirty="0"/>
+              <a:t>Task3</a:t>
+            </a:r>
+          </a:p>
+        </p:txBody>
+      </p:sp>
+      <p:sp>
+        <p:nvSpPr>
+          <p:cNvPr id="3" name="Content Placeholder 2">
+            <a:extLst>
+              <a:ext uri="{FF2B5EF4-FFF2-40B4-BE49-F238E27FC236}">
+                <a16:creationId xmlns:a16="http://schemas.microsoft.com/office/drawing/2014/main" id="{33177339-636A-41EE-0D23-9B6056544C5E}"/>
+              </a:ext>
+            </a:extLst>
+          </p:cNvPr>
+          <p:cNvSpPr>
+            <a:spLocks noGrp="1"/>
+          </p:cNvSpPr>
+          <p:nvPr>
+            <p:ph idx="1"/>
+          </p:nvPr>
+        </p:nvSpPr>
+        <p:spPr/>
+        <p:txBody>
+          <a:bodyPr/>
+          <a:lstStyle/>
+          <a:p>
+            <a:r>
+              <a:rPr lang="en-US" dirty="0"/>
+              <a:t>Guide</a:t>
+            </a:r>
+          </a:p>
+          <a:p>
+            <a:pPr lvl="1"/>
+            <a:r>
+              <a:rPr lang="en-US" dirty="0"/>
+              <a:t>Call</a:t>
+            </a:r>
+          </a:p>
+          <a:p>
+            <a:pPr lvl="2"/>
+            <a:r>
+              <a:rPr lang="en-US" dirty="0"/>
+              <a:t>In </a:t>
+            </a:r>
+            <a:r>
+              <a:rPr lang="en-US" dirty="0" err="1"/>
+              <a:t>function_compute_pi.m</a:t>
+            </a:r>
+            <a:r>
+              <a:rPr lang="en-US" dirty="0"/>
+              <a:t>, add this file to path</a:t>
+            </a:r>
+          </a:p>
+          <a:p>
+            <a:pPr lvl="2"/>
+            <a:r>
+              <a:rPr lang="en-US" dirty="0"/>
+              <a:t>Write </a:t>
+            </a:r>
+            <a:r>
+              <a:rPr lang="en-US" dirty="0" err="1"/>
+              <a:t>function_compute_pi</a:t>
+            </a:r>
+            <a:r>
+              <a:rPr lang="en-US" dirty="0"/>
+              <a:t>(&lt;Your precision level&gt;)in command window</a:t>
+            </a:r>
+          </a:p>
+          <a:p>
+            <a:r>
+              <a:rPr lang="en-US" dirty="0"/>
+              <a:t>Output</a:t>
+            </a:r>
+          </a:p>
+          <a:p>
+            <a:pPr lvl="1"/>
+            <a:r>
+              <a:rPr lang="en-US" dirty="0" err="1"/>
+              <a:t>pi_est</a:t>
+            </a:r>
+            <a:r>
+              <a:rPr lang="en-US" dirty="0"/>
+              <a:t>: Estimate pi </a:t>
+            </a:r>
+          </a:p>
+          <a:p>
+            <a:pPr lvl="1"/>
+            <a:r>
+              <a:rPr lang="en-US" dirty="0"/>
+              <a:t>A graphical display should plot the random points </a:t>
+            </a:r>
+          </a:p>
+          <a:p>
+            <a:pPr lvl="1"/>
+            <a:endParaRPr lang="en-US" dirty="0"/>
+          </a:p>
+        </p:txBody>
+      </p:sp>
+    </p:spTree>
+    <p:extLst>
+      <p:ext uri="{BB962C8B-B14F-4D97-AF65-F5344CB8AC3E}">
+        <p14:creationId xmlns:p14="http://schemas.microsoft.com/office/powerpoint/2010/main" val="1956478022"/>
       </p:ext>
     </p:extLst>
   </p:cSld>
@@ -3424,7 +3583,7 @@
           <p:cNvPr id="2" name="Title 1">
             <a:extLst>
               <a:ext uri="{FF2B5EF4-FFF2-40B4-BE49-F238E27FC236}">
-                <a16:creationId xmlns:a16="http://schemas.microsoft.com/office/drawing/2014/main" id="{2DF4F3E6-5231-D6DC-3EEF-715693D011ED}"/>
+                <a16:creationId xmlns:a16="http://schemas.microsoft.com/office/drawing/2014/main" id="{034378DA-5ABB-97DA-3233-A29A571922F1}"/>
               </a:ext>
             </a:extLst>
           </p:cNvPr>
@@ -3442,7 +3601,7 @@
           <a:p>
             <a:r>
               <a:rPr lang="en-US" dirty="0"/>
-              <a:t>Task1</a:t>
+              <a:t>User Guide</a:t>
             </a:r>
           </a:p>
         </p:txBody>
@@ -3452,7 +3611,7 @@
           <p:cNvPr id="3" name="Content Placeholder 2">
             <a:extLst>
               <a:ext uri="{FF2B5EF4-FFF2-40B4-BE49-F238E27FC236}">
-                <a16:creationId xmlns:a16="http://schemas.microsoft.com/office/drawing/2014/main" id="{E4985633-81F6-1083-41C1-2122E1BDE075}"/>
+                <a16:creationId xmlns:a16="http://schemas.microsoft.com/office/drawing/2014/main" id="{7D395180-6460-F97F-D68A-5E9F3386E3E4}"/>
               </a:ext>
             </a:extLst>
           </p:cNvPr>
@@ -3469,81 +3628,31 @@
           <a:lstStyle/>
           <a:p>
             <a:r>
+              <a:rPr lang="en-US" dirty="0" err="1"/>
+              <a:t>Github</a:t>
+            </a:r>
+            <a:r>
               <a:rPr lang="en-US" dirty="0"/>
-              <a:t>Plot of computed value of </a:t>
-            </a:r>
-            <a:r>
-              <a:rPr lang="el-GR" dirty="0"/>
-              <a:t>π </a:t>
-            </a:r>
-          </a:p>
-          <a:p>
+              <a:t> Repo: </a:t>
+            </a:r>
+            <a:r>
+              <a:rPr lang="en-US" dirty="0">
+                <a:hlinkClick r:id="rId2"/>
+              </a:rPr>
+              <a:t>https://github.com/Victor-lol/AMS595/tree/main/595HW1</a:t>
+            </a:r>
             <a:endParaRPr lang="en-US" dirty="0"/>
           </a:p>
-        </p:txBody>
-      </p:sp>
-      <p:pic>
-        <p:nvPicPr>
-          <p:cNvPr id="5" name="Picture 4" descr="A graph showing a number of points&#10;&#10;AI-generated content may be incorrect.">
-            <a:extLst>
-              <a:ext uri="{FF2B5EF4-FFF2-40B4-BE49-F238E27FC236}">
-                <a16:creationId xmlns:a16="http://schemas.microsoft.com/office/drawing/2014/main" id="{B401FAB3-E686-1F5C-0F9A-7565F3B03185}"/>
-              </a:ext>
-            </a:extLst>
-          </p:cNvPr>
-          <p:cNvPicPr>
-            <a:picLocks noChangeAspect="1"/>
-          </p:cNvPicPr>
-          <p:nvPr/>
-        </p:nvPicPr>
-        <p:blipFill>
-          <a:blip r:embed="rId2"/>
-          <a:stretch>
-            <a:fillRect/>
-          </a:stretch>
-        </p:blipFill>
-        <p:spPr>
-          <a:xfrm>
-            <a:off x="838201" y="2421834"/>
-            <a:ext cx="5112026" cy="3429000"/>
-          </a:xfrm>
-          <a:prstGeom prst="rect">
-            <a:avLst/>
-          </a:prstGeom>
-        </p:spPr>
-      </p:pic>
-      <p:sp>
-        <p:nvSpPr>
-          <p:cNvPr id="6" name="TextBox 5">
-            <a:extLst>
-              <a:ext uri="{FF2B5EF4-FFF2-40B4-BE49-F238E27FC236}">
-                <a16:creationId xmlns:a16="http://schemas.microsoft.com/office/drawing/2014/main" id="{BBC86E9C-4B18-9F86-3877-EC8782F5ABDD}"/>
-              </a:ext>
-            </a:extLst>
-          </p:cNvPr>
-          <p:cNvSpPr txBox="1"/>
-          <p:nvPr/>
-        </p:nvSpPr>
-        <p:spPr>
-          <a:xfrm>
-            <a:off x="6393174" y="3674669"/>
-            <a:ext cx="4517679" cy="1200329"/>
-          </a:xfrm>
-          <a:prstGeom prst="rect">
-            <a:avLst/>
-          </a:prstGeom>
-          <a:noFill/>
-        </p:spPr>
-        <p:txBody>
-          <a:bodyPr wrap="square" rtlCol="0">
-            <a:spAutoFit/>
-          </a:bodyPr>
-          <a:lstStyle/>
           <a:p>
             <a:r>
               <a:rPr lang="en-US" dirty="0"/>
-              <a:t>Comment: The estimate converges toward the true value as number of points increases. </a:t>
-            </a:r>
+              <a:t>How-to-run is written in </a:t>
+            </a:r>
+            <a:r>
+              <a:rPr lang="en-US" dirty="0" err="1"/>
+              <a:t>README.md</a:t>
+            </a:r>
+            <a:endParaRPr lang="en-US" dirty="0"/>
           </a:p>
           <a:p>
             <a:endParaRPr lang="en-US" dirty="0"/>
@@ -3553,7 +3662,7 @@
     </p:spTree>
     <p:extLst>
       <p:ext uri="{BB962C8B-B14F-4D97-AF65-F5344CB8AC3E}">
-        <p14:creationId xmlns:p14="http://schemas.microsoft.com/office/powerpoint/2010/main" val="851236620"/>
+        <p14:creationId xmlns:p14="http://schemas.microsoft.com/office/powerpoint/2010/main" val="962985"/>
       </p:ext>
     </p:extLst>
   </p:cSld>
@@ -3585,7 +3694,7 @@
           <p:cNvPr id="2" name="Title 1">
             <a:extLst>
               <a:ext uri="{FF2B5EF4-FFF2-40B4-BE49-F238E27FC236}">
-                <a16:creationId xmlns:a16="http://schemas.microsoft.com/office/drawing/2014/main" id="{DB2ED66D-C357-B988-2B03-1128A32C2C77}"/>
+                <a16:creationId xmlns:a16="http://schemas.microsoft.com/office/drawing/2014/main" id="{2DF4F3E6-5231-D6DC-3EEF-715693D011ED}"/>
               </a:ext>
             </a:extLst>
           </p:cNvPr>
@@ -3613,7 +3722,7 @@
           <p:cNvPr id="3" name="Content Placeholder 2">
             <a:extLst>
               <a:ext uri="{FF2B5EF4-FFF2-40B4-BE49-F238E27FC236}">
-                <a16:creationId xmlns:a16="http://schemas.microsoft.com/office/drawing/2014/main" id="{7E084EE8-994A-700E-F64B-8CA74A01FDEC}"/>
+                <a16:creationId xmlns:a16="http://schemas.microsoft.com/office/drawing/2014/main" id="{E4985633-81F6-1083-41C1-2122E1BDE075}"/>
               </a:ext>
             </a:extLst>
           </p:cNvPr>
@@ -3631,7 +3740,11 @@
           <a:p>
             <a:r>
               <a:rPr lang="en-US" dirty="0"/>
-              <a:t>Deviation from the true value </a:t>
+              <a:t>Plot of computed value of </a:t>
+            </a:r>
+            <a:r>
+              <a:rPr lang="el-GR" dirty="0"/>
+              <a:t>π </a:t>
             </a:r>
           </a:p>
           <a:p>
@@ -3641,10 +3754,10 @@
       </p:sp>
       <p:pic>
         <p:nvPicPr>
-          <p:cNvPr id="8" name="Picture 7">
-            <a:extLst>
-              <a:ext uri="{FF2B5EF4-FFF2-40B4-BE49-F238E27FC236}">
-                <a16:creationId xmlns:a16="http://schemas.microsoft.com/office/drawing/2014/main" id="{3F5C7D14-3F0A-4331-45F8-7220B3322CA3}"/>
+          <p:cNvPr id="5" name="Picture 4" descr="A graph showing a number of points&#10;&#10;AI-generated content may be incorrect.">
+            <a:extLst>
+              <a:ext uri="{FF2B5EF4-FFF2-40B4-BE49-F238E27FC236}">
+                <a16:creationId xmlns:a16="http://schemas.microsoft.com/office/drawing/2014/main" id="{B401FAB3-E686-1F5C-0F9A-7565F3B03185}"/>
               </a:ext>
             </a:extLst>
           </p:cNvPr>
@@ -3661,8 +3774,8 @@
         </p:blipFill>
         <p:spPr>
           <a:xfrm>
-            <a:off x="838200" y="2671390"/>
-            <a:ext cx="5333928" cy="3216815"/>
+            <a:off x="838201" y="2421834"/>
+            <a:ext cx="5112026" cy="3429000"/>
           </a:xfrm>
           <a:prstGeom prst="rect">
             <a:avLst/>
@@ -3671,10 +3784,10 @@
       </p:pic>
       <p:sp>
         <p:nvSpPr>
-          <p:cNvPr id="9" name="TextBox 8">
-            <a:extLst>
-              <a:ext uri="{FF2B5EF4-FFF2-40B4-BE49-F238E27FC236}">
-                <a16:creationId xmlns:a16="http://schemas.microsoft.com/office/drawing/2014/main" id="{080B8A9E-19D6-FCAD-9951-B789F04CCF7D}"/>
+          <p:cNvPr id="6" name="TextBox 5">
+            <a:extLst>
+              <a:ext uri="{FF2B5EF4-FFF2-40B4-BE49-F238E27FC236}">
+                <a16:creationId xmlns:a16="http://schemas.microsoft.com/office/drawing/2014/main" id="{BBC86E9C-4B18-9F86-3877-EC8782F5ABDD}"/>
               </a:ext>
             </a:extLst>
           </p:cNvPr>
@@ -3684,7 +3797,7 @@
         <p:spPr>
           <a:xfrm>
             <a:off x="6393174" y="3674669"/>
-            <a:ext cx="4517679" cy="923330"/>
+            <a:ext cx="4517679" cy="1200329"/>
           </a:xfrm>
           <a:prstGeom prst="rect">
             <a:avLst/>
@@ -3699,7 +3812,7 @@
           <a:p>
             <a:r>
               <a:rPr lang="en-US" dirty="0"/>
-              <a:t>Comment: The deviation tends to 0 as the number of points increase</a:t>
+              <a:t>Comment: The estimate converges toward the true value as number of points increases. </a:t>
             </a:r>
           </a:p>
           <a:p>
@@ -3710,7 +3823,7 @@
     </p:spTree>
     <p:extLst>
       <p:ext uri="{BB962C8B-B14F-4D97-AF65-F5344CB8AC3E}">
-        <p14:creationId xmlns:p14="http://schemas.microsoft.com/office/powerpoint/2010/main" val="1244495256"/>
+        <p14:creationId xmlns:p14="http://schemas.microsoft.com/office/powerpoint/2010/main" val="851236620"/>
       </p:ext>
     </p:extLst>
   </p:cSld>
@@ -3742,6 +3855,163 @@
           <p:cNvPr id="2" name="Title 1">
             <a:extLst>
               <a:ext uri="{FF2B5EF4-FFF2-40B4-BE49-F238E27FC236}">
+                <a16:creationId xmlns:a16="http://schemas.microsoft.com/office/drawing/2014/main" id="{DB2ED66D-C357-B988-2B03-1128A32C2C77}"/>
+              </a:ext>
+            </a:extLst>
+          </p:cNvPr>
+          <p:cNvSpPr>
+            <a:spLocks noGrp="1"/>
+          </p:cNvSpPr>
+          <p:nvPr>
+            <p:ph type="title"/>
+          </p:nvPr>
+        </p:nvSpPr>
+        <p:spPr/>
+        <p:txBody>
+          <a:bodyPr/>
+          <a:lstStyle/>
+          <a:p>
+            <a:r>
+              <a:rPr lang="en-US" dirty="0"/>
+              <a:t>Task1</a:t>
+            </a:r>
+          </a:p>
+        </p:txBody>
+      </p:sp>
+      <p:sp>
+        <p:nvSpPr>
+          <p:cNvPr id="3" name="Content Placeholder 2">
+            <a:extLst>
+              <a:ext uri="{FF2B5EF4-FFF2-40B4-BE49-F238E27FC236}">
+                <a16:creationId xmlns:a16="http://schemas.microsoft.com/office/drawing/2014/main" id="{7E084EE8-994A-700E-F64B-8CA74A01FDEC}"/>
+              </a:ext>
+            </a:extLst>
+          </p:cNvPr>
+          <p:cNvSpPr>
+            <a:spLocks noGrp="1"/>
+          </p:cNvSpPr>
+          <p:nvPr>
+            <p:ph idx="1"/>
+          </p:nvPr>
+        </p:nvSpPr>
+        <p:spPr/>
+        <p:txBody>
+          <a:bodyPr/>
+          <a:lstStyle/>
+          <a:p>
+            <a:r>
+              <a:rPr lang="en-US" dirty="0"/>
+              <a:t>Deviation from the true value </a:t>
+            </a:r>
+          </a:p>
+          <a:p>
+            <a:endParaRPr lang="en-US" dirty="0"/>
+          </a:p>
+        </p:txBody>
+      </p:sp>
+      <p:pic>
+        <p:nvPicPr>
+          <p:cNvPr id="8" name="Picture 7">
+            <a:extLst>
+              <a:ext uri="{FF2B5EF4-FFF2-40B4-BE49-F238E27FC236}">
+                <a16:creationId xmlns:a16="http://schemas.microsoft.com/office/drawing/2014/main" id="{3F5C7D14-3F0A-4331-45F8-7220B3322CA3}"/>
+              </a:ext>
+            </a:extLst>
+          </p:cNvPr>
+          <p:cNvPicPr>
+            <a:picLocks noChangeAspect="1"/>
+          </p:cNvPicPr>
+          <p:nvPr/>
+        </p:nvPicPr>
+        <p:blipFill>
+          <a:blip r:embed="rId2"/>
+          <a:stretch>
+            <a:fillRect/>
+          </a:stretch>
+        </p:blipFill>
+        <p:spPr>
+          <a:xfrm>
+            <a:off x="838200" y="2671390"/>
+            <a:ext cx="5333928" cy="3216815"/>
+          </a:xfrm>
+          <a:prstGeom prst="rect">
+            <a:avLst/>
+          </a:prstGeom>
+        </p:spPr>
+      </p:pic>
+      <p:sp>
+        <p:nvSpPr>
+          <p:cNvPr id="9" name="TextBox 8">
+            <a:extLst>
+              <a:ext uri="{FF2B5EF4-FFF2-40B4-BE49-F238E27FC236}">
+                <a16:creationId xmlns:a16="http://schemas.microsoft.com/office/drawing/2014/main" id="{080B8A9E-19D6-FCAD-9951-B789F04CCF7D}"/>
+              </a:ext>
+            </a:extLst>
+          </p:cNvPr>
+          <p:cNvSpPr txBox="1"/>
+          <p:nvPr/>
+        </p:nvSpPr>
+        <p:spPr>
+          <a:xfrm>
+            <a:off x="6393174" y="3674669"/>
+            <a:ext cx="4517679" cy="923330"/>
+          </a:xfrm>
+          <a:prstGeom prst="rect">
+            <a:avLst/>
+          </a:prstGeom>
+          <a:noFill/>
+        </p:spPr>
+        <p:txBody>
+          <a:bodyPr wrap="square" rtlCol="0">
+            <a:spAutoFit/>
+          </a:bodyPr>
+          <a:lstStyle/>
+          <a:p>
+            <a:r>
+              <a:rPr lang="en-US" dirty="0"/>
+              <a:t>Comment: The deviation tends to 0 as the number of points increase</a:t>
+            </a:r>
+          </a:p>
+          <a:p>
+            <a:endParaRPr lang="en-US" dirty="0"/>
+          </a:p>
+        </p:txBody>
+      </p:sp>
+    </p:spTree>
+    <p:extLst>
+      <p:ext uri="{BB962C8B-B14F-4D97-AF65-F5344CB8AC3E}">
+        <p14:creationId xmlns:p14="http://schemas.microsoft.com/office/powerpoint/2010/main" val="1244495256"/>
+      </p:ext>
+    </p:extLst>
+  </p:cSld>
+  <p:clrMapOvr>
+    <a:masterClrMapping/>
+  </p:clrMapOvr>
+</p:sld>
+</file>
+
+<file path=ppt/slides/slide5.xml><?xml version="1.0" encoding="utf-8"?>
+<p:sld xmlns:a="http://schemas.openxmlformats.org/drawingml/2006/main" xmlns:r="http://schemas.openxmlformats.org/officeDocument/2006/relationships" xmlns:p="http://schemas.openxmlformats.org/presentationml/2006/main">
+  <p:cSld>
+    <p:spTree>
+      <p:nvGrpSpPr>
+        <p:cNvPr id="1" name=""/>
+        <p:cNvGrpSpPr/>
+        <p:nvPr/>
+      </p:nvGrpSpPr>
+      <p:grpSpPr>
+        <a:xfrm>
+          <a:off x="0" y="0"/>
+          <a:ext cx="0" cy="0"/>
+          <a:chOff x="0" y="0"/>
+          <a:chExt cx="0" cy="0"/>
+        </a:xfrm>
+      </p:grpSpPr>
+      <p:sp>
+        <p:nvSpPr>
+          <p:cNvPr id="2" name="Title 1">
+            <a:extLst>
+              <a:ext uri="{FF2B5EF4-FFF2-40B4-BE49-F238E27FC236}">
                 <a16:creationId xmlns:a16="http://schemas.microsoft.com/office/drawing/2014/main" id="{4D4C7A98-C31C-3752-68D1-E421AD3386C6}"/>
               </a:ext>
             </a:extLst>
@@ -3874,7 +4144,172 @@
 </p:sld>
 </file>
 
-<file path=ppt/slides/slide5.xml><?xml version="1.0" encoding="utf-8"?>
+<file path=ppt/slides/slide6.xml><?xml version="1.0" encoding="utf-8"?>
+<p:sld xmlns:a="http://schemas.openxmlformats.org/drawingml/2006/main" xmlns:r="http://schemas.openxmlformats.org/officeDocument/2006/relationships" xmlns:p="http://schemas.openxmlformats.org/presentationml/2006/main">
+  <p:cSld>
+    <p:spTree>
+      <p:nvGrpSpPr>
+        <p:cNvPr id="1" name=""/>
+        <p:cNvGrpSpPr/>
+        <p:nvPr/>
+      </p:nvGrpSpPr>
+      <p:grpSpPr>
+        <a:xfrm>
+          <a:off x="0" y="0"/>
+          <a:ext cx="0" cy="0"/>
+          <a:chOff x="0" y="0"/>
+          <a:chExt cx="0" cy="0"/>
+        </a:xfrm>
+      </p:grpSpPr>
+      <p:sp>
+        <p:nvSpPr>
+          <p:cNvPr id="2" name="Title 1">
+            <a:extLst>
+              <a:ext uri="{FF2B5EF4-FFF2-40B4-BE49-F238E27FC236}">
+                <a16:creationId xmlns:a16="http://schemas.microsoft.com/office/drawing/2014/main" id="{0B890BCF-6A7C-F0A8-785E-60CE599EFEA6}"/>
+              </a:ext>
+            </a:extLst>
+          </p:cNvPr>
+          <p:cNvSpPr>
+            <a:spLocks noGrp="1"/>
+          </p:cNvSpPr>
+          <p:nvPr>
+            <p:ph type="title"/>
+          </p:nvPr>
+        </p:nvSpPr>
+        <p:spPr/>
+        <p:txBody>
+          <a:bodyPr/>
+          <a:lstStyle/>
+          <a:p>
+            <a:r>
+              <a:rPr lang="en-US" dirty="0"/>
+              <a:t>Task1</a:t>
+            </a:r>
+          </a:p>
+        </p:txBody>
+      </p:sp>
+      <p:sp>
+        <p:nvSpPr>
+          <p:cNvPr id="3" name="Content Placeholder 2">
+            <a:extLst>
+              <a:ext uri="{FF2B5EF4-FFF2-40B4-BE49-F238E27FC236}">
+                <a16:creationId xmlns:a16="http://schemas.microsoft.com/office/drawing/2014/main" id="{8938012F-65BD-B9D5-A38A-085A250CBCD7}"/>
+              </a:ext>
+            </a:extLst>
+          </p:cNvPr>
+          <p:cNvSpPr>
+            <a:spLocks noGrp="1"/>
+          </p:cNvSpPr>
+          <p:nvPr>
+            <p:ph idx="1"/>
+          </p:nvPr>
+        </p:nvSpPr>
+        <p:spPr/>
+        <p:txBody>
+          <a:bodyPr/>
+          <a:lstStyle/>
+          <a:p>
+            <a:r>
+              <a:rPr lang="en-US" dirty="0"/>
+              <a:t>Guide:</a:t>
+            </a:r>
+          </a:p>
+          <a:p>
+            <a:pPr lvl="1"/>
+            <a:r>
+              <a:rPr lang="en-US" dirty="0"/>
+              <a:t>Call</a:t>
+            </a:r>
+          </a:p>
+          <a:p>
+            <a:pPr lvl="2"/>
+            <a:r>
+              <a:rPr lang="en-US" dirty="0"/>
+              <a:t>In </a:t>
+            </a:r>
+            <a:r>
+              <a:rPr lang="en-US" dirty="0" err="1"/>
+              <a:t>compute_pi.m</a:t>
+            </a:r>
+            <a:r>
+              <a:rPr lang="en-US" dirty="0"/>
+              <a:t>, add this file to path</a:t>
+            </a:r>
+          </a:p>
+          <a:p>
+            <a:pPr lvl="2"/>
+            <a:r>
+              <a:rPr lang="en-US" dirty="0"/>
+              <a:t>Write </a:t>
+            </a:r>
+            <a:r>
+              <a:rPr lang="en-US" dirty="0" err="1"/>
+              <a:t>compute_pi</a:t>
+            </a:r>
+            <a:r>
+              <a:rPr lang="en-US" dirty="0"/>
+              <a:t> in command window</a:t>
+            </a:r>
+          </a:p>
+          <a:p>
+            <a:r>
+              <a:rPr lang="en-US" dirty="0"/>
+              <a:t>Output:</a:t>
+            </a:r>
+          </a:p>
+          <a:p>
+            <a:pPr lvl="1"/>
+            <a:r>
+              <a:rPr lang="en-US" dirty="0"/>
+              <a:t>Errors: deviation from the true value, will show in command window </a:t>
+            </a:r>
+          </a:p>
+          <a:p>
+            <a:pPr lvl="1"/>
+            <a:r>
+              <a:rPr lang="en-US" dirty="0" err="1"/>
+              <a:t>Pi_ests</a:t>
+            </a:r>
+            <a:r>
+              <a:rPr lang="en-US" dirty="0"/>
+              <a:t>: estimated pi, will show in command window </a:t>
+            </a:r>
+          </a:p>
+          <a:p>
+            <a:pPr lvl="1"/>
+            <a:r>
+              <a:rPr lang="en-US" dirty="0"/>
+              <a:t>Times: cost of time to each, will show in command window </a:t>
+            </a:r>
+          </a:p>
+          <a:p>
+            <a:pPr lvl="1"/>
+            <a:r>
+              <a:rPr lang="en-US" dirty="0"/>
+              <a:t>3 graphs listed above</a:t>
+            </a:r>
+          </a:p>
+          <a:p>
+            <a:pPr lvl="1"/>
+            <a:endParaRPr lang="en-US" dirty="0"/>
+          </a:p>
+        </p:txBody>
+      </p:sp>
+    </p:spTree>
+    <p:extLst>
+      <p:ext uri="{BB962C8B-B14F-4D97-AF65-F5344CB8AC3E}">
+        <p14:creationId xmlns:p14="http://schemas.microsoft.com/office/powerpoint/2010/main" val="988328928"/>
+      </p:ext>
+    </p:extLst>
+  </p:cSld>
+  <p:clrMapOvr>
+    <a:masterClrMapping/>
+  </p:clrMapOvr>
+</p:sld>
+</file>
+
+<file path=ppt/slides/slide7.xml><?xml version="1.0" encoding="utf-8"?>
 <p:sld xmlns:a="http://schemas.openxmlformats.org/drawingml/2006/main" xmlns:r="http://schemas.openxmlformats.org/officeDocument/2006/relationships" xmlns:p="http://schemas.openxmlformats.org/presentationml/2006/main">
   <p:cSld>
     <p:spTree>
@@ -4727,7 +5162,178 @@
 </p:sld>
 </file>
 
-<file path=ppt/slides/slide6.xml><?xml version="1.0" encoding="utf-8"?>
+<file path=ppt/slides/slide8.xml><?xml version="1.0" encoding="utf-8"?>
+<p:sld xmlns:a="http://schemas.openxmlformats.org/drawingml/2006/main" xmlns:r="http://schemas.openxmlformats.org/officeDocument/2006/relationships" xmlns:p="http://schemas.openxmlformats.org/presentationml/2006/main">
+  <p:cSld>
+    <p:spTree>
+      <p:nvGrpSpPr>
+        <p:cNvPr id="1" name=""/>
+        <p:cNvGrpSpPr/>
+        <p:nvPr/>
+      </p:nvGrpSpPr>
+      <p:grpSpPr>
+        <a:xfrm>
+          <a:off x="0" y="0"/>
+          <a:ext cx="0" cy="0"/>
+          <a:chOff x="0" y="0"/>
+          <a:chExt cx="0" cy="0"/>
+        </a:xfrm>
+      </p:grpSpPr>
+      <p:sp>
+        <p:nvSpPr>
+          <p:cNvPr id="2" name="Title 1">
+            <a:extLst>
+              <a:ext uri="{FF2B5EF4-FFF2-40B4-BE49-F238E27FC236}">
+                <a16:creationId xmlns:a16="http://schemas.microsoft.com/office/drawing/2014/main" id="{3DFED261-4920-637D-65E1-C0C04D822525}"/>
+              </a:ext>
+            </a:extLst>
+          </p:cNvPr>
+          <p:cNvSpPr>
+            <a:spLocks noGrp="1"/>
+          </p:cNvSpPr>
+          <p:nvPr>
+            <p:ph type="title"/>
+          </p:nvPr>
+        </p:nvSpPr>
+        <p:spPr/>
+        <p:txBody>
+          <a:bodyPr/>
+          <a:lstStyle/>
+          <a:p>
+            <a:r>
+              <a:rPr lang="en-US" dirty="0"/>
+              <a:t>Task2</a:t>
+            </a:r>
+          </a:p>
+        </p:txBody>
+      </p:sp>
+      <p:sp>
+        <p:nvSpPr>
+          <p:cNvPr id="3" name="Content Placeholder 2">
+            <a:extLst>
+              <a:ext uri="{FF2B5EF4-FFF2-40B4-BE49-F238E27FC236}">
+                <a16:creationId xmlns:a16="http://schemas.microsoft.com/office/drawing/2014/main" id="{CF308921-FC38-387E-E652-2354CC9010B9}"/>
+              </a:ext>
+            </a:extLst>
+          </p:cNvPr>
+          <p:cNvSpPr>
+            <a:spLocks noGrp="1"/>
+          </p:cNvSpPr>
+          <p:nvPr>
+            <p:ph idx="1"/>
+          </p:nvPr>
+        </p:nvSpPr>
+        <p:spPr/>
+        <p:txBody>
+          <a:bodyPr>
+            <a:normAutofit/>
+          </a:bodyPr>
+          <a:lstStyle/>
+          <a:p>
+            <a:r>
+              <a:rPr lang="en-US" dirty="0"/>
+              <a:t>Guide</a:t>
+            </a:r>
+          </a:p>
+          <a:p>
+            <a:pPr lvl="1"/>
+            <a:r>
+              <a:rPr lang="en-US" dirty="0"/>
+              <a:t>Call</a:t>
+            </a:r>
+          </a:p>
+          <a:p>
+            <a:pPr lvl="2"/>
+            <a:r>
+              <a:rPr lang="en-US" dirty="0"/>
+              <a:t>In </a:t>
+            </a:r>
+            <a:r>
+              <a:rPr lang="en-US" dirty="0" err="1"/>
+              <a:t>modified_compute_pi.m</a:t>
+            </a:r>
+            <a:r>
+              <a:rPr lang="en-US" dirty="0"/>
+              <a:t>, add this file to path</a:t>
+            </a:r>
+          </a:p>
+          <a:p>
+            <a:pPr lvl="2"/>
+            <a:r>
+              <a:rPr lang="en-US" dirty="0"/>
+              <a:t>Write </a:t>
+            </a:r>
+            <a:r>
+              <a:rPr lang="en-US" dirty="0" err="1"/>
+              <a:t>modified_compute_pi</a:t>
+            </a:r>
+            <a:r>
+              <a:rPr lang="en-US" dirty="0"/>
+              <a:t> in command window</a:t>
+            </a:r>
+          </a:p>
+          <a:p>
+            <a:r>
+              <a:rPr lang="en-US" dirty="0"/>
+              <a:t>Output</a:t>
+            </a:r>
+          </a:p>
+          <a:p>
+            <a:pPr lvl="1"/>
+            <a:r>
+              <a:rPr lang="en-US" dirty="0" err="1"/>
+              <a:t>sigfigs</a:t>
+            </a:r>
+            <a:r>
+              <a:rPr lang="en-US" dirty="0"/>
+              <a:t>: significant figure</a:t>
+            </a:r>
+          </a:p>
+          <a:p>
+            <a:pPr lvl="1"/>
+            <a:r>
+              <a:rPr lang="en-US" dirty="0" err="1"/>
+              <a:t>pi_est_curr</a:t>
+            </a:r>
+            <a:r>
+              <a:rPr lang="en-US" dirty="0"/>
+              <a:t>: Estimated pi</a:t>
+            </a:r>
+          </a:p>
+          <a:p>
+            <a:pPr lvl="1"/>
+            <a:r>
+              <a:rPr lang="en-US" dirty="0"/>
+              <a:t>Iter: Iterations required</a:t>
+            </a:r>
+          </a:p>
+          <a:p>
+            <a:pPr lvl="1"/>
+            <a:r>
+              <a:rPr lang="en-US" dirty="0"/>
+              <a:t>Elapsed: Execution time</a:t>
+            </a:r>
+          </a:p>
+          <a:p>
+            <a:pPr lvl="1"/>
+            <a:endParaRPr lang="en-US" dirty="0"/>
+          </a:p>
+        </p:txBody>
+      </p:sp>
+    </p:spTree>
+    <p:extLst>
+      <p:ext uri="{BB962C8B-B14F-4D97-AF65-F5344CB8AC3E}">
+        <p14:creationId xmlns:p14="http://schemas.microsoft.com/office/powerpoint/2010/main" val="1425034001"/>
+      </p:ext>
+    </p:extLst>
+  </p:cSld>
+  <p:clrMapOvr>
+    <a:masterClrMapping/>
+  </p:clrMapOvr>
+</p:sld>
+</file>
+
+<file path=ppt/slides/slide9.xml><?xml version="1.0" encoding="utf-8"?>
 <p:sld xmlns:a="http://schemas.openxmlformats.org/drawingml/2006/main" xmlns:r="http://schemas.openxmlformats.org/officeDocument/2006/relationships" xmlns:p="http://schemas.openxmlformats.org/presentationml/2006/main">
   <p:cSld>
     <p:spTree>
@@ -5006,110 +5612,6 @@
     <p:extLst>
       <p:ext uri="{BB962C8B-B14F-4D97-AF65-F5344CB8AC3E}">
         <p14:creationId xmlns:p14="http://schemas.microsoft.com/office/powerpoint/2010/main" val="4237215457"/>
-      </p:ext>
-    </p:extLst>
-  </p:cSld>
-  <p:clrMapOvr>
-    <a:masterClrMapping/>
-  </p:clrMapOvr>
-</p:sld>
-</file>
-
-<file path=ppt/slides/slide7.xml><?xml version="1.0" encoding="utf-8"?>
-<p:sld xmlns:a="http://schemas.openxmlformats.org/drawingml/2006/main" xmlns:r="http://schemas.openxmlformats.org/officeDocument/2006/relationships" xmlns:p="http://schemas.openxmlformats.org/presentationml/2006/main">
-  <p:cSld>
-    <p:spTree>
-      <p:nvGrpSpPr>
-        <p:cNvPr id="1" name=""/>
-        <p:cNvGrpSpPr/>
-        <p:nvPr/>
-      </p:nvGrpSpPr>
-      <p:grpSpPr>
-        <a:xfrm>
-          <a:off x="0" y="0"/>
-          <a:ext cx="0" cy="0"/>
-          <a:chOff x="0" y="0"/>
-          <a:chExt cx="0" cy="0"/>
-        </a:xfrm>
-      </p:grpSpPr>
-      <p:sp>
-        <p:nvSpPr>
-          <p:cNvPr id="2" name="Title 1">
-            <a:extLst>
-              <a:ext uri="{FF2B5EF4-FFF2-40B4-BE49-F238E27FC236}">
-                <a16:creationId xmlns:a16="http://schemas.microsoft.com/office/drawing/2014/main" id="{034378DA-5ABB-97DA-3233-A29A571922F1}"/>
-              </a:ext>
-            </a:extLst>
-          </p:cNvPr>
-          <p:cNvSpPr>
-            <a:spLocks noGrp="1"/>
-          </p:cNvSpPr>
-          <p:nvPr>
-            <p:ph type="title"/>
-          </p:nvPr>
-        </p:nvSpPr>
-        <p:spPr/>
-        <p:txBody>
-          <a:bodyPr/>
-          <a:lstStyle/>
-          <a:p>
-            <a:r>
-              <a:rPr lang="en-US" dirty="0"/>
-              <a:t>User Guide</a:t>
-            </a:r>
-          </a:p>
-        </p:txBody>
-      </p:sp>
-      <p:sp>
-        <p:nvSpPr>
-          <p:cNvPr id="3" name="Content Placeholder 2">
-            <a:extLst>
-              <a:ext uri="{FF2B5EF4-FFF2-40B4-BE49-F238E27FC236}">
-                <a16:creationId xmlns:a16="http://schemas.microsoft.com/office/drawing/2014/main" id="{7D395180-6460-F97F-D68A-5E9F3386E3E4}"/>
-              </a:ext>
-            </a:extLst>
-          </p:cNvPr>
-          <p:cNvSpPr>
-            <a:spLocks noGrp="1"/>
-          </p:cNvSpPr>
-          <p:nvPr>
-            <p:ph idx="1"/>
-          </p:nvPr>
-        </p:nvSpPr>
-        <p:spPr/>
-        <p:txBody>
-          <a:bodyPr/>
-          <a:lstStyle/>
-          <a:p>
-            <a:r>
-              <a:rPr lang="en-US" dirty="0" err="1"/>
-              <a:t>Github</a:t>
-            </a:r>
-            <a:r>
-              <a:rPr lang="en-US" dirty="0"/>
-              <a:t> Repo:</a:t>
-            </a:r>
-          </a:p>
-          <a:p>
-            <a:r>
-              <a:rPr lang="en-US" dirty="0"/>
-              <a:t>How-to-run is written in </a:t>
-            </a:r>
-            <a:r>
-              <a:rPr lang="en-US" dirty="0" err="1"/>
-              <a:t>README.md</a:t>
-            </a:r>
-            <a:endParaRPr lang="en-US" dirty="0"/>
-          </a:p>
-          <a:p>
-            <a:endParaRPr lang="en-US" dirty="0"/>
-          </a:p>
-        </p:txBody>
-      </p:sp>
-    </p:spTree>
-    <p:extLst>
-      <p:ext uri="{BB962C8B-B14F-4D97-AF65-F5344CB8AC3E}">
-        <p14:creationId xmlns:p14="http://schemas.microsoft.com/office/powerpoint/2010/main" val="962985"/>
       </p:ext>
     </p:extLst>
   </p:cSld>
